--- a/TrilaterationNation_ProgressReport1.pptx
+++ b/TrilaterationNation_ProgressReport1.pptx
@@ -206,7 +206,7 @@
           <a:p>
             <a:fld id="{012086C8-9447-4058-9A7D-7E009161286C}" type="datetimeFigureOut">
               <a:rPr lang="en-CA" smtClean="0"/>
-              <a:t>10/01/2019</a:t>
+              <a:t>11/01/2019</a:t>
             </a:fld>
             <a:endParaRPr lang="en-CA"/>
           </a:p>
@@ -1301,7 +1301,7 @@
           <a:effectLst/>
           <a:extLst>
             <a:ext uri="{91240B29-F687-4f45-9708-019B960494DF}">
-              <a14:hiddenLine xmlns="" xmlns:a14="http://schemas.microsoft.com/office/drawing/2010/main" w="9525">
+              <a14:hiddenLine xmlns:a14="http://schemas.microsoft.com/office/drawing/2010/main" xmlns="" w="9525">
                 <a:solidFill>
                   <a:srgbClr val="000000"/>
                 </a:solidFill>
@@ -1493,7 +1493,7 @@
           <a:p>
             <a:fld id="{8F49DCF5-51DF-42ED-B255-22174995FBB9}" type="datetime1">
               <a:rPr lang="en-US" smtClean="0"/>
-              <a:t>1/10/2019</a:t>
+              <a:t>1/11/2019</a:t>
             </a:fld>
             <a:endParaRPr lang="en-US" dirty="0"/>
           </a:p>
@@ -1812,7 +1812,7 @@
           <a:p>
             <a:fld id="{9506C7CA-5DDB-46C9-85B3-EB90BFFC9292}" type="datetime1">
               <a:rPr lang="en-US" smtClean="0"/>
-              <a:t>1/10/2019</a:t>
+              <a:t>1/11/2019</a:t>
             </a:fld>
             <a:endParaRPr lang="en-US" dirty="0"/>
           </a:p>
@@ -2301,7 +2301,7 @@
           <a:p>
             <a:fld id="{83626357-061C-40E8-B742-1D5A5F78195D}" type="datetime1">
               <a:rPr lang="en-US" smtClean="0"/>
-              <a:t>1/10/2019</a:t>
+              <a:t>1/11/2019</a:t>
             </a:fld>
             <a:endParaRPr lang="en-US" dirty="0"/>
           </a:p>
@@ -2671,7 +2671,7 @@
           <a:p>
             <a:fld id="{B1496F61-A964-4257-AD4D-B615CFC1F261}" type="datetime1">
               <a:rPr lang="en-US" smtClean="0"/>
-              <a:t>1/10/2019</a:t>
+              <a:t>1/11/2019</a:t>
             </a:fld>
             <a:endParaRPr lang="en-US" dirty="0"/>
           </a:p>
@@ -2827,7 +2827,7 @@
           <a:ln/>
           <a:extLst>
             <a:ext uri="{91240B29-F687-4f45-9708-019B960494DF}">
-              <a14:hiddenLine xmlns="" xmlns:a14="http://schemas.microsoft.com/office/drawing/2010/main" w="9525">
+              <a14:hiddenLine xmlns:a14="http://schemas.microsoft.com/office/drawing/2010/main" xmlns="" w="9525">
                 <a:solidFill>
                   <a:srgbClr val="000000"/>
                 </a:solidFill>
@@ -2945,7 +2945,7 @@
           <a:p>
             <a:fld id="{3C2975A8-561C-4FFC-8B35-D0D0CFC11747}" type="datetime1">
               <a:rPr lang="en-US" smtClean="0"/>
-              <a:t>1/10/2019</a:t>
+              <a:t>1/11/2019</a:t>
             </a:fld>
             <a:endParaRPr lang="en-US" dirty="0"/>
           </a:p>
@@ -3102,7 +3102,7 @@
           <a:ln/>
           <a:extLst>
             <a:ext uri="{91240B29-F687-4f45-9708-019B960494DF}">
-              <a14:hiddenLine xmlns="" xmlns:a14="http://schemas.microsoft.com/office/drawing/2010/main" w="9525">
+              <a14:hiddenLine xmlns:a14="http://schemas.microsoft.com/office/drawing/2010/main" xmlns="" w="9525">
                 <a:solidFill>
                   <a:srgbClr val="000000"/>
                 </a:solidFill>
@@ -3230,7 +3230,7 @@
           <a:p>
             <a:fld id="{58118A52-720A-473B-804E-8D8CFB9300FF}" type="datetime1">
               <a:rPr lang="en-US" smtClean="0"/>
-              <a:t>1/10/2019</a:t>
+              <a:t>1/11/2019</a:t>
             </a:fld>
             <a:endParaRPr lang="en-US" dirty="0"/>
           </a:p>
@@ -3385,7 +3385,7 @@
           <a:ln/>
           <a:extLst>
             <a:ext uri="{91240B29-F687-4f45-9708-019B960494DF}">
-              <a14:hiddenLine xmlns="" xmlns:a14="http://schemas.microsoft.com/office/drawing/2010/main" w="9525">
+              <a14:hiddenLine xmlns:a14="http://schemas.microsoft.com/office/drawing/2010/main" xmlns="" w="9525">
                 <a:solidFill>
                   <a:srgbClr val="000000"/>
                 </a:solidFill>
@@ -3513,7 +3513,7 @@
           <a:p>
             <a:fld id="{13F52D90-F98C-4ED0-A27B-F79ABAB69D8F}" type="datetime1">
               <a:rPr lang="en-US" smtClean="0"/>
-              <a:t>1/10/2019</a:t>
+              <a:t>1/11/2019</a:t>
             </a:fld>
             <a:endParaRPr lang="en-US" dirty="0"/>
           </a:p>
@@ -3856,7 +3856,7 @@
           <a:p>
             <a:fld id="{E1B2BF51-9F03-49C6-B963-DB88E3B03BAD}" type="datetime1">
               <a:rPr lang="en-US" smtClean="0"/>
-              <a:t>1/10/2019</a:t>
+              <a:t>1/11/2019</a:t>
             </a:fld>
             <a:endParaRPr lang="en-US" dirty="0"/>
           </a:p>
@@ -4012,7 +4012,7 @@
           <a:ln/>
           <a:extLst>
             <a:ext uri="{91240B29-F687-4f45-9708-019B960494DF}">
-              <a14:hiddenLine xmlns="" xmlns:a14="http://schemas.microsoft.com/office/drawing/2010/main" w="9525">
+              <a14:hiddenLine xmlns:a14="http://schemas.microsoft.com/office/drawing/2010/main" xmlns="" w="9525">
                 <a:solidFill>
                   <a:srgbClr val="000000"/>
                 </a:solidFill>
@@ -4196,7 +4196,7 @@
           <a:p>
             <a:fld id="{41499694-8B8B-49A3-9C09-06282EFB6C31}" type="datetime1">
               <a:rPr lang="en-US" smtClean="0"/>
-              <a:t>1/10/2019</a:t>
+              <a:t>1/11/2019</a:t>
             </a:fld>
             <a:endParaRPr lang="en-US" dirty="0"/>
           </a:p>
@@ -4351,7 +4351,7 @@
           <a:ln/>
           <a:extLst>
             <a:ext uri="{91240B29-F687-4f45-9708-019B960494DF}">
-              <a14:hiddenLine xmlns="" xmlns:a14="http://schemas.microsoft.com/office/drawing/2010/main" w="9525">
+              <a14:hiddenLine xmlns:a14="http://schemas.microsoft.com/office/drawing/2010/main" xmlns="" w="9525">
                 <a:solidFill>
                   <a:srgbClr val="000000"/>
                 </a:solidFill>
@@ -4673,7 +4673,7 @@
           <a:p>
             <a:fld id="{65BA8D7E-AF9C-4405-B15F-97EC3D23808D}" type="datetime1">
               <a:rPr lang="en-US" smtClean="0"/>
-              <a:t>1/10/2019</a:t>
+              <a:t>1/11/2019</a:t>
             </a:fld>
             <a:endParaRPr lang="en-US" dirty="0"/>
           </a:p>
@@ -4828,7 +4828,7 @@
           <a:ln/>
           <a:extLst>
             <a:ext uri="{91240B29-F687-4f45-9708-019B960494DF}">
-              <a14:hiddenLine xmlns="" xmlns:a14="http://schemas.microsoft.com/office/drawing/2010/main" w="9525">
+              <a14:hiddenLine xmlns:a14="http://schemas.microsoft.com/office/drawing/2010/main" xmlns="" w="9525">
                 <a:solidFill>
                   <a:srgbClr val="000000"/>
                 </a:solidFill>
@@ -4894,7 +4894,7 @@
           <a:p>
             <a:fld id="{847469C5-8A97-4266-92B6-F96B0B0B893D}" type="datetime1">
               <a:rPr lang="en-US" smtClean="0"/>
-              <a:t>1/10/2019</a:t>
+              <a:t>1/11/2019</a:t>
             </a:fld>
             <a:endParaRPr lang="en-US" dirty="0"/>
           </a:p>
@@ -4989,7 +4989,7 @@
           <a:p>
             <a:fld id="{0D6E9EE3-64DE-4950-9936-C5E1A98F27E6}" type="datetime1">
               <a:rPr lang="en-US" smtClean="0"/>
-              <a:t>1/10/2019</a:t>
+              <a:t>1/11/2019</a:t>
             </a:fld>
             <a:endParaRPr lang="en-US" dirty="0"/>
           </a:p>
@@ -5257,7 +5257,7 @@
           <a:ln/>
           <a:extLst>
             <a:ext uri="{91240B29-F687-4f45-9708-019B960494DF}">
-              <a14:hiddenLine xmlns="" xmlns:a14="http://schemas.microsoft.com/office/drawing/2010/main" w="9525">
+              <a14:hiddenLine xmlns:a14="http://schemas.microsoft.com/office/drawing/2010/main" xmlns="" w="9525">
                 <a:solidFill>
                   <a:srgbClr val="000000"/>
                 </a:solidFill>
@@ -5456,7 +5456,7 @@
           <a:p>
             <a:fld id="{EE652E84-8572-4C74-AFE3-55A472BDE6C4}" type="datetime1">
               <a:rPr lang="en-US" smtClean="0"/>
-              <a:t>1/10/2019</a:t>
+              <a:t>1/11/2019</a:t>
             </a:fld>
             <a:endParaRPr lang="en-US" dirty="0"/>
           </a:p>
@@ -5770,7 +5770,7 @@
           <a:p>
             <a:fld id="{553F9B10-30CD-4B32-B8CD-D8E92A921B82}" type="datetime1">
               <a:rPr lang="en-US" smtClean="0"/>
-              <a:t>1/10/2019</a:t>
+              <a:t>1/11/2019</a:t>
             </a:fld>
             <a:endParaRPr lang="en-US" dirty="0"/>
           </a:p>
@@ -6058,7 +6058,7 @@
           <a:p>
             <a:fld id="{5B8741DE-7DBB-4D2A-9BC9-4A5C6C7589E6}" type="datetime1">
               <a:rPr lang="en-US" smtClean="0"/>
-              <a:t>1/10/2019</a:t>
+              <a:t>1/11/2019</a:t>
             </a:fld>
             <a:endParaRPr lang="en-US" dirty="0"/>
           </a:p>
@@ -6543,7 +6543,7 @@
                 <a16:creationId xmlns:a16="http://schemas.microsoft.com/office/drawing/2014/main" id="{53576798-7F98-4C7F-B6C7-6D41B5A7E927}"/>
               </a:ext>
               <a:ext uri="{C183D7F6-B498-43B3-948B-1728B52AA6E4}">
-                <adec:decorative xmlns:adec="http://schemas.microsoft.com/office/drawing/2017/decorative" xmlns="" val="1"/>
+                <adec:decorative xmlns="" xmlns:adec="http://schemas.microsoft.com/office/drawing/2017/decorative" val="1"/>
               </a:ext>
             </a:extLst>
           </p:cNvPr>
@@ -6629,7 +6629,7 @@
           <a:ln/>
           <a:extLst>
             <a:ext uri="{91240B29-F687-4f45-9708-019B960494DF}">
-              <a14:hiddenLine xmlns:a14="http://schemas.microsoft.com/office/drawing/2010/main" xmlns:p14="http://schemas.microsoft.com/office/powerpoint/2010/main" xmlns:a16="http://schemas.microsoft.com/office/drawing/2014/main" xmlns="" w="9525">
+              <a14:hiddenLine xmlns="" xmlns:a16="http://schemas.microsoft.com/office/drawing/2014/main" xmlns:p14="http://schemas.microsoft.com/office/powerpoint/2010/main" xmlns:a14="http://schemas.microsoft.com/office/drawing/2010/main" w="9525">
                 <a:solidFill>
                   <a:srgbClr val="000000"/>
                 </a:solidFill>
@@ -9298,7 +9298,7 @@
                 <a16:creationId xmlns:a16="http://schemas.microsoft.com/office/drawing/2014/main" id="{089A69AF-D57B-49B4-886C-D4A5DC194421}"/>
               </a:ext>
               <a:ext uri="{C183D7F6-B498-43B3-948B-1728B52AA6E4}">
-                <adec:decorative xmlns:adec="http://schemas.microsoft.com/office/drawing/2017/decorative" xmlns="" val="1"/>
+                <adec:decorative xmlns="" xmlns:adec="http://schemas.microsoft.com/office/drawing/2017/decorative" val="1"/>
               </a:ext>
             </a:extLst>
           </p:cNvPr>
@@ -9358,7 +9358,7 @@
                 <a16:creationId xmlns:a16="http://schemas.microsoft.com/office/drawing/2014/main" id="{CABDC08D-6093-4397-92D4-54D00E2BB1C2}"/>
               </a:ext>
               <a:ext uri="{C183D7F6-B498-43B3-948B-1728B52AA6E4}">
-                <adec:decorative xmlns:adec="http://schemas.microsoft.com/office/drawing/2017/decorative" xmlns="" val="1"/>
+                <adec:decorative xmlns="" xmlns:adec="http://schemas.microsoft.com/office/drawing/2017/decorative" val="1"/>
               </a:ext>
             </a:extLst>
           </p:cNvPr>
@@ -9563,7 +9563,7 @@
           <a:effectLst/>
           <a:extLst>
             <a:ext uri="{91240B29-F687-4f45-9708-019B960494DF}">
-              <a14:hiddenLine xmlns:a14="http://schemas.microsoft.com/office/drawing/2010/main" xmlns:p14="http://schemas.microsoft.com/office/powerpoint/2010/main" xmlns:a16="http://schemas.microsoft.com/office/drawing/2014/main" xmlns="" w="9525">
+              <a14:hiddenLine xmlns="" xmlns:a16="http://schemas.microsoft.com/office/drawing/2014/main" xmlns:p14="http://schemas.microsoft.com/office/powerpoint/2010/main" xmlns:a14="http://schemas.microsoft.com/office/drawing/2010/main" w="9525">
                 <a:solidFill>
                   <a:srgbClr val="000000"/>
                 </a:solidFill>
@@ -9629,7 +9629,6 @@
               <a:rPr lang="en-US" sz="4400" dirty="0"/>
               <a:t>Control Survey</a:t>
             </a:r>
-            <a:endParaRPr lang="en-US" sz="4400" dirty="0"/>
           </a:p>
         </p:txBody>
       </p:sp>
@@ -9731,12 +9730,7 @@
             <p:ph type="title"/>
           </p:nvPr>
         </p:nvSpPr>
-        <p:spPr>
-          <a:xfrm>
-            <a:off x="352478" y="495826"/>
-            <a:ext cx="11487039" cy="970450"/>
-          </a:xfrm>
-        </p:spPr>
+        <p:spPr/>
         <p:txBody>
           <a:bodyPr/>
           <a:lstStyle/>
@@ -9780,14 +9774,14 @@
       </p:sp>
       <p:sp>
         <p:nvSpPr>
-          <p:cNvPr id="5" name="Rectangle 4"/>
-          <p:cNvSpPr/>
+          <p:cNvPr id="7" name="TextBox 6"/>
+          <p:cNvSpPr txBox="1"/>
           <p:nvPr/>
         </p:nvSpPr>
         <p:spPr>
           <a:xfrm>
-            <a:off x="2880220" y="2967335"/>
-            <a:ext cx="6431569" cy="923330"/>
+            <a:off x="912883" y="2989654"/>
+            <a:ext cx="10687050" cy="1354217"/>
           </a:xfrm>
           <a:prstGeom prst="rect">
             <a:avLst/>
@@ -9795,66 +9789,77 @@
           <a:noFill/>
         </p:spPr>
         <p:txBody>
-          <a:bodyPr wrap="none" lIns="91440" tIns="45720" rIns="91440" bIns="45720">
+          <a:bodyPr wrap="square" rtlCol="0">
             <a:spAutoFit/>
           </a:bodyPr>
           <a:lstStyle/>
           <a:p>
-            <a:pPr algn="ctr"/>
-            <a:r>
-              <a:rPr lang="en-US" sz="5400" b="1" cap="none" spc="0" dirty="0" smtClean="0">
-                <a:ln w="12700">
-                  <a:solidFill>
-                    <a:schemeClr val="accent1"/>
-                  </a:solidFill>
-                  <a:prstDash val="solid"/>
-                </a:ln>
-                <a:pattFill prst="pct50">
-                  <a:fgClr>
-                    <a:schemeClr val="accent1"/>
-                  </a:fgClr>
-                  <a:bgClr>
-                    <a:schemeClr val="accent1">
-                      <a:lumMod val="20000"/>
-                      <a:lumOff val="80000"/>
-                    </a:schemeClr>
-                  </a:bgClr>
-                </a:pattFill>
-                <a:effectLst>
-                  <a:outerShdw dist="38100" dir="2640000" algn="bl" rotWithShape="0">
-                    <a:schemeClr val="accent1"/>
-                  </a:outerShdw>
-                </a:effectLst>
-              </a:rPr>
-              <a:t>JEFF DO SOME SHIT</a:t>
-            </a:r>
-            <a:endParaRPr lang="en-US" sz="5400" b="1" cap="none" spc="0" dirty="0">
-              <a:ln w="12700">
-                <a:solidFill>
-                  <a:schemeClr val="accent1"/>
-                </a:solidFill>
-                <a:prstDash val="solid"/>
-              </a:ln>
-              <a:pattFill prst="pct50">
-                <a:fgClr>
-                  <a:schemeClr val="accent1"/>
-                </a:fgClr>
-                <a:bgClr>
-                  <a:schemeClr val="accent1">
-                    <a:lumMod val="20000"/>
-                    <a:lumOff val="80000"/>
-                  </a:schemeClr>
-                </a:bgClr>
-              </a:pattFill>
-              <a:effectLst>
-                <a:outerShdw dist="38100" dir="2640000" algn="bl" rotWithShape="0">
-                  <a:schemeClr val="accent1"/>
-                </a:outerShdw>
-              </a:effectLst>
-            </a:endParaRPr>
-          </a:p>
-        </p:txBody>
-      </p:sp>
+            <a:pPr marL="457200" indent="-457200">
+              <a:buClr>
+                <a:schemeClr val="accent2"/>
+              </a:buClr>
+              <a:buFont typeface="Wingdings" panose="05000000000000000000" pitchFamily="2" charset="2"/>
+              <a:buChar char="§"/>
+            </a:pPr>
+            <a:r>
+              <a:rPr lang="en-US" sz="3200" dirty="0" smtClean="0"/>
+              <a:t>Android framework studied</a:t>
+            </a:r>
+          </a:p>
+          <a:p>
+            <a:pPr marL="457200" indent="-457200">
+              <a:buClr>
+                <a:schemeClr val="accent2"/>
+              </a:buClr>
+              <a:buFont typeface="Wingdings" panose="05000000000000000000" pitchFamily="2" charset="2"/>
+              <a:buChar char="§"/>
+            </a:pPr>
+            <a:r>
+              <a:rPr lang="en-US" sz="3200" dirty="0" err="1"/>
+              <a:t>d</a:t>
+            </a:r>
+            <a:r>
+              <a:rPr lang="en-US" sz="3200" dirty="0" err="1" smtClean="0"/>
+              <a:t>ecaWave</a:t>
+            </a:r>
+            <a:r>
+              <a:rPr lang="en-US" sz="3200" dirty="0" smtClean="0"/>
+              <a:t> application source code studied</a:t>
+            </a:r>
+          </a:p>
+          <a:p>
+            <a:pPr marL="285750" indent="-285750">
+              <a:buFont typeface="Arial" panose="020B0604020202020204" pitchFamily="34" charset="0"/>
+              <a:buChar char="•"/>
+            </a:pPr>
+            <a:endParaRPr lang="en-US" dirty="0"/>
+          </a:p>
+        </p:txBody>
+      </p:sp>
+      <p:pic>
+        <p:nvPicPr>
+          <p:cNvPr id="9" name="Picture 8"/>
+          <p:cNvPicPr>
+            <a:picLocks noChangeAspect="1"/>
+          </p:cNvPicPr>
+          <p:nvPr/>
+        </p:nvPicPr>
+        <p:blipFill>
+          <a:blip r:embed="rId3"/>
+          <a:stretch>
+            <a:fillRect/>
+          </a:stretch>
+        </p:blipFill>
+        <p:spPr>
+          <a:xfrm>
+            <a:off x="3924299" y="4606004"/>
+            <a:ext cx="4343400" cy="1047750"/>
+          </a:xfrm>
+          <a:prstGeom prst="rect">
+            <a:avLst/>
+          </a:prstGeom>
+        </p:spPr>
+      </p:pic>
     </p:spTree>
     <p:extLst>
       <p:ext uri="{BB962C8B-B14F-4D97-AF65-F5344CB8AC3E}">
